--- a/Tutorial/Tutorial.pptx
+++ b/Tutorial/Tutorial.pptx
@@ -109,6 +109,11 @@
       </a:defRPr>
     </a:lvl9pPr>
   </p:defaultTextStyle>
+  <p:extLst>
+    <p:ext uri="{EFAFB233-063F-42B5-8137-9DF3F51BA10A}">
+      <p15:sldGuideLst xmlns:p15="http://schemas.microsoft.com/office/powerpoint/2012/main"/>
+    </p:ext>
+  </p:extLst>
 </p:presentation>
 </file>
 
@@ -3493,8 +3498,8 @@
           </a:p>
         </p:txBody>
       </p:sp>
-      <mc:AlternateContent xmlns:mc="http://schemas.openxmlformats.org/markup-compatibility/2006">
-        <mc:Choice xmlns:a14="http://schemas.microsoft.com/office/drawing/2010/main" Requires="a14">
+      <mc:AlternateContent xmlns:mc="http://schemas.openxmlformats.org/markup-compatibility/2006" xmlns:a14="http://schemas.microsoft.com/office/drawing/2010/main">
+        <mc:Choice Requires="a14">
           <p:sp>
             <p:nvSpPr>
               <p:cNvPr id="5" name="文本框 4">
@@ -3523,6 +3528,7 @@
               </a:bodyPr>
               <a:lstStyle/>
               <a:p>
+                <a:pPr/>
                 <a14:m>
                   <m:oMathPara xmlns:m="http://schemas.openxmlformats.org/officeDocument/2006/math">
                     <m:oMathParaPr>
@@ -3627,7 +3633,7 @@
             </p:txBody>
           </p:sp>
         </mc:Choice>
-        <mc:Fallback>
+        <mc:Fallback xmlns="">
           <p:sp>
             <p:nvSpPr>
               <p:cNvPr id="5" name="文本框 4">
@@ -4295,13 +4301,13 @@
   <p:clrMapOvr>
     <a:masterClrMapping/>
   </p:clrMapOvr>
-  <mc:AlternateContent xmlns:mc="http://schemas.openxmlformats.org/markup-compatibility/2006">
-    <mc:Choice xmlns:p159="http://schemas.microsoft.com/office/powerpoint/2015/09/main" Requires="p159">
+  <mc:AlternateContent xmlns:mc="http://schemas.openxmlformats.org/markup-compatibility/2006" xmlns:p159="http://schemas.microsoft.com/office/powerpoint/2015/09/main">
+    <mc:Choice Requires="p159">
       <p:transition xmlns:p14="http://schemas.microsoft.com/office/powerpoint/2010/main" spd="slow" p14:dur="2000">
         <p159:morph option="byObject"/>
       </p:transition>
     </mc:Choice>
-    <mc:Fallback>
+    <mc:Fallback xmlns="">
       <p:transition spd="slow">
         <p:fade/>
       </p:transition>
@@ -5586,13 +5592,13 @@
   <p:clrMapOvr>
     <a:masterClrMapping/>
   </p:clrMapOvr>
-  <mc:AlternateContent xmlns:mc="http://schemas.openxmlformats.org/markup-compatibility/2006">
-    <mc:Choice xmlns:p159="http://schemas.microsoft.com/office/powerpoint/2015/09/main" Requires="p159">
+  <mc:AlternateContent xmlns:mc="http://schemas.openxmlformats.org/markup-compatibility/2006" xmlns:p159="http://schemas.microsoft.com/office/powerpoint/2015/09/main">
+    <mc:Choice Requires="p159">
       <p:transition xmlns:p14="http://schemas.microsoft.com/office/powerpoint/2010/main" spd="slow" p14:dur="2000">
         <p159:morph option="byObject"/>
       </p:transition>
     </mc:Choice>
-    <mc:Fallback>
+    <mc:Fallback xmlns="">
       <p:transition spd="slow">
         <p:fade/>
       </p:transition>
@@ -7209,13 +7215,13 @@
   <p:clrMapOvr>
     <a:masterClrMapping/>
   </p:clrMapOvr>
-  <mc:AlternateContent xmlns:mc="http://schemas.openxmlformats.org/markup-compatibility/2006">
-    <mc:Choice xmlns:p159="http://schemas.microsoft.com/office/powerpoint/2015/09/main" Requires="p159">
+  <mc:AlternateContent xmlns:mc="http://schemas.openxmlformats.org/markup-compatibility/2006" xmlns:p159="http://schemas.microsoft.com/office/powerpoint/2015/09/main">
+    <mc:Choice Requires="p159">
       <p:transition xmlns:p14="http://schemas.microsoft.com/office/powerpoint/2010/main" spd="slow" p14:dur="2000">
         <p159:morph option="byObject"/>
       </p:transition>
     </mc:Choice>
-    <mc:Fallback>
+    <mc:Fallback xmlns="">
       <p:transition spd="slow">
         <p:fade/>
       </p:transition>
@@ -8339,8 +8345,8 @@
         </p:nvSpPr>
         <p:spPr>
           <a:xfrm>
-            <a:off x="277696" y="3888509"/>
-            <a:ext cx="11434014" cy="2031325"/>
+            <a:off x="277695" y="3009278"/>
+            <a:ext cx="11434014" cy="3693319"/>
           </a:xfrm>
           <a:prstGeom prst="rect">
             <a:avLst/>
@@ -8426,6 +8432,68 @@
             <a:r>
               <a:rPr lang="zh-CN" altLang="en-US" dirty="0"/>
               <a:t>好的问题往往最重要，如果你遇到了什么比较难以解决的问题，希望你能先自己尝试着寻找答案，之后再找我，能力的提升比答案更重要</a:t>
+            </a:r>
+            <a:endParaRPr lang="en-US" altLang="zh-CN" dirty="0"/>
+          </a:p>
+          <a:p>
+            <a:pPr marL="742950" lvl="1" indent="-285750">
+              <a:buFont typeface="Arial" panose="020B0604020202020204" pitchFamily="34" charset="0"/>
+              <a:buChar char="•"/>
+            </a:pPr>
+            <a:endParaRPr lang="en-US" altLang="zh-CN" dirty="0"/>
+          </a:p>
+          <a:p>
+            <a:pPr marL="742950" lvl="1" indent="-285750">
+              <a:buFont typeface="Arial" panose="020B0604020202020204" pitchFamily="34" charset="0"/>
+              <a:buChar char="•"/>
+            </a:pPr>
+            <a:r>
+              <a:rPr lang="zh-CN" altLang="en-US" dirty="0"/>
+              <a:t>变量、函数命名尽量是用“驼峰命名法”</a:t>
+            </a:r>
+            <a:endParaRPr lang="en-US" altLang="zh-CN" dirty="0"/>
+          </a:p>
+          <a:p>
+            <a:pPr marL="742950" lvl="1" indent="-285750">
+              <a:buFont typeface="Arial" panose="020B0604020202020204" pitchFamily="34" charset="0"/>
+              <a:buChar char="•"/>
+            </a:pPr>
+            <a:endParaRPr lang="en-US" altLang="zh-CN" dirty="0"/>
+          </a:p>
+          <a:p>
+            <a:pPr marL="742950" lvl="1" indent="-285750">
+              <a:buFont typeface="Arial" panose="020B0604020202020204" pitchFamily="34" charset="0"/>
+              <a:buChar char="•"/>
+            </a:pPr>
+            <a:r>
+              <a:rPr lang="zh-CN" altLang="en-US" dirty="0"/>
+              <a:t>考虑你的代码如果增加新功能，需要有多大的改动，我们希望这样的改动越小越好</a:t>
+            </a:r>
+            <a:endParaRPr lang="en-US" altLang="zh-CN" dirty="0"/>
+          </a:p>
+          <a:p>
+            <a:pPr marL="742950" lvl="1" indent="-285750">
+              <a:buFont typeface="Arial" panose="020B0604020202020204" pitchFamily="34" charset="0"/>
+              <a:buChar char="•"/>
+            </a:pPr>
+            <a:endParaRPr lang="en-US" altLang="zh-CN" dirty="0"/>
+          </a:p>
+          <a:p>
+            <a:pPr marL="742950" lvl="1" indent="-285750">
+              <a:buFont typeface="Arial" panose="020B0604020202020204" pitchFamily="34" charset="0"/>
+              <a:buChar char="•"/>
+            </a:pPr>
+            <a:r>
+              <a:rPr lang="zh-CN" altLang="en-US" dirty="0"/>
+              <a:t>尽量使得你的代码和输出界面的耦合度更小，以便移植到</a:t>
+            </a:r>
+            <a:r>
+              <a:rPr lang="en-US" altLang="zh-CN" dirty="0"/>
+              <a:t>GUI</a:t>
+            </a:r>
+            <a:r>
+              <a:rPr lang="zh-CN" altLang="en-US" dirty="0"/>
+              <a:t>界面中</a:t>
             </a:r>
           </a:p>
         </p:txBody>
